--- a/RepresentingRelationalSchema.pptx
+++ b/RepresentingRelationalSchema.pptx
@@ -104,6 +104,11 @@
       </a:defRPr>
     </a:lvl9pPr>
   </p:defaultTextStyle>
+  <p:extLst>
+    <p:ext uri="{EFAFB233-063F-42B5-8137-9DF3F51BA10A}">
+      <p15:sldGuideLst xmlns:p15="http://schemas.microsoft.com/office/powerpoint/2012/main"/>
+    </p:ext>
+  </p:extLst>
 </p:presentation>
 </file>
 
@@ -256,7 +261,7 @@
           <a:p>
             <a:fld id="{9B229374-CEBF-44E1-A7A4-CA248A8C0C5F}" type="datetimeFigureOut">
               <a:rPr lang="az-Latn-AZ" smtClean="0"/>
-              <a:t>03.01.2024</a:t>
+              <a:t>05.01.2024</a:t>
             </a:fld>
             <a:endParaRPr lang="az-Latn-AZ"/>
           </a:p>
@@ -456,7 +461,7 @@
           <a:p>
             <a:fld id="{9B229374-CEBF-44E1-A7A4-CA248A8C0C5F}" type="datetimeFigureOut">
               <a:rPr lang="az-Latn-AZ" smtClean="0"/>
-              <a:t>03.01.2024</a:t>
+              <a:t>05.01.2024</a:t>
             </a:fld>
             <a:endParaRPr lang="az-Latn-AZ"/>
           </a:p>
@@ -666,7 +671,7 @@
           <a:p>
             <a:fld id="{9B229374-CEBF-44E1-A7A4-CA248A8C0C5F}" type="datetimeFigureOut">
               <a:rPr lang="az-Latn-AZ" smtClean="0"/>
-              <a:t>03.01.2024</a:t>
+              <a:t>05.01.2024</a:t>
             </a:fld>
             <a:endParaRPr lang="az-Latn-AZ"/>
           </a:p>
@@ -866,7 +871,7 @@
           <a:p>
             <a:fld id="{9B229374-CEBF-44E1-A7A4-CA248A8C0C5F}" type="datetimeFigureOut">
               <a:rPr lang="az-Latn-AZ" smtClean="0"/>
-              <a:t>03.01.2024</a:t>
+              <a:t>05.01.2024</a:t>
             </a:fld>
             <a:endParaRPr lang="az-Latn-AZ"/>
           </a:p>
@@ -1142,7 +1147,7 @@
           <a:p>
             <a:fld id="{9B229374-CEBF-44E1-A7A4-CA248A8C0C5F}" type="datetimeFigureOut">
               <a:rPr lang="az-Latn-AZ" smtClean="0"/>
-              <a:t>03.01.2024</a:t>
+              <a:t>05.01.2024</a:t>
             </a:fld>
             <a:endParaRPr lang="az-Latn-AZ"/>
           </a:p>
@@ -1410,7 +1415,7 @@
           <a:p>
             <a:fld id="{9B229374-CEBF-44E1-A7A4-CA248A8C0C5F}" type="datetimeFigureOut">
               <a:rPr lang="az-Latn-AZ" smtClean="0"/>
-              <a:t>03.01.2024</a:t>
+              <a:t>05.01.2024</a:t>
             </a:fld>
             <a:endParaRPr lang="az-Latn-AZ"/>
           </a:p>
@@ -1825,7 +1830,7 @@
           <a:p>
             <a:fld id="{9B229374-CEBF-44E1-A7A4-CA248A8C0C5F}" type="datetimeFigureOut">
               <a:rPr lang="az-Latn-AZ" smtClean="0"/>
-              <a:t>03.01.2024</a:t>
+              <a:t>05.01.2024</a:t>
             </a:fld>
             <a:endParaRPr lang="az-Latn-AZ"/>
           </a:p>
@@ -1967,7 +1972,7 @@
           <a:p>
             <a:fld id="{9B229374-CEBF-44E1-A7A4-CA248A8C0C5F}" type="datetimeFigureOut">
               <a:rPr lang="az-Latn-AZ" smtClean="0"/>
-              <a:t>03.01.2024</a:t>
+              <a:t>05.01.2024</a:t>
             </a:fld>
             <a:endParaRPr lang="az-Latn-AZ"/>
           </a:p>
@@ -2080,7 +2085,7 @@
           <a:p>
             <a:fld id="{9B229374-CEBF-44E1-A7A4-CA248A8C0C5F}" type="datetimeFigureOut">
               <a:rPr lang="az-Latn-AZ" smtClean="0"/>
-              <a:t>03.01.2024</a:t>
+              <a:t>05.01.2024</a:t>
             </a:fld>
             <a:endParaRPr lang="az-Latn-AZ"/>
           </a:p>
@@ -2393,7 +2398,7 @@
           <a:p>
             <a:fld id="{9B229374-CEBF-44E1-A7A4-CA248A8C0C5F}" type="datetimeFigureOut">
               <a:rPr lang="az-Latn-AZ" smtClean="0"/>
-              <a:t>03.01.2024</a:t>
+              <a:t>05.01.2024</a:t>
             </a:fld>
             <a:endParaRPr lang="az-Latn-AZ"/>
           </a:p>
@@ -2682,7 +2687,7 @@
           <a:p>
             <a:fld id="{9B229374-CEBF-44E1-A7A4-CA248A8C0C5F}" type="datetimeFigureOut">
               <a:rPr lang="az-Latn-AZ" smtClean="0"/>
-              <a:t>03.01.2024</a:t>
+              <a:t>05.01.2024</a:t>
             </a:fld>
             <a:endParaRPr lang="az-Latn-AZ"/>
           </a:p>
@@ -2925,7 +2930,7 @@
           <a:p>
             <a:fld id="{9B229374-CEBF-44E1-A7A4-CA248A8C0C5F}" type="datetimeFigureOut">
               <a:rPr lang="az-Latn-AZ" smtClean="0"/>
-              <a:t>03.01.2024</a:t>
+              <a:t>05.01.2024</a:t>
             </a:fld>
             <a:endParaRPr lang="az-Latn-AZ"/>
           </a:p>
@@ -3356,8 +3361,8 @@
         </p:nvSpPr>
         <p:spPr>
           <a:xfrm>
-            <a:off x="7225656" y="808346"/>
-            <a:ext cx="2725918" cy="3049571"/>
+            <a:off x="956832" y="723506"/>
+            <a:ext cx="2725918" cy="2038546"/>
           </a:xfrm>
           <a:prstGeom prst="rect">
             <a:avLst/>
@@ -3402,7 +3407,7 @@
         </p:nvSpPr>
         <p:spPr>
           <a:xfrm>
-            <a:off x="7225656" y="808346"/>
+            <a:off x="956832" y="723505"/>
             <a:ext cx="2725918" cy="513761"/>
           </a:xfrm>
           <a:prstGeom prst="rect">
@@ -3452,7 +3457,7 @@
         </p:nvSpPr>
         <p:spPr>
           <a:xfrm>
-            <a:off x="7225656" y="1322107"/>
+            <a:off x="956832" y="1237266"/>
             <a:ext cx="2725917" cy="513761"/>
           </a:xfrm>
           <a:prstGeom prst="rect">
@@ -3500,7 +3505,7 @@
         </p:nvSpPr>
         <p:spPr>
           <a:xfrm>
-            <a:off x="7225653" y="1802873"/>
+            <a:off x="956829" y="1718032"/>
             <a:ext cx="2725917" cy="513761"/>
           </a:xfrm>
           <a:prstGeom prst="rect">
@@ -3536,10 +3541,10 @@
       </p:sp>
       <p:sp>
         <p:nvSpPr>
-          <p:cNvPr id="9" name="Rectangle 8">
-            <a:extLst>
-              <a:ext uri="{FF2B5EF4-FFF2-40B4-BE49-F238E27FC236}">
-                <a16:creationId xmlns:a16="http://schemas.microsoft.com/office/drawing/2014/main" id="{91652772-71EE-CFB8-4706-A8E7757E07A1}"/>
+          <p:cNvPr id="10" name="Rectangle 9">
+            <a:extLst>
+              <a:ext uri="{FF2B5EF4-FFF2-40B4-BE49-F238E27FC236}">
+                <a16:creationId xmlns:a16="http://schemas.microsoft.com/office/drawing/2014/main" id="{7A252D1E-520B-6BE6-A6A2-EFB90EEAA426}"/>
               </a:ext>
             </a:extLst>
           </p:cNvPr>
@@ -3548,7 +3553,7 @@
         </p:nvSpPr>
         <p:spPr>
           <a:xfrm>
-            <a:off x="7225649" y="2316634"/>
+            <a:off x="956824" y="2248290"/>
             <a:ext cx="2725917" cy="513761"/>
           </a:xfrm>
           <a:prstGeom prst="rect">
@@ -3575,18 +3580,18 @@
           <a:p>
             <a:pPr algn="ctr"/>
             <a:r>
-              <a:rPr lang="az-Latn-AZ"/>
-              <a:t>RequiredCountForParent</a:t>
-            </a:r>
-          </a:p>
-        </p:txBody>
-      </p:sp>
-      <p:sp>
-        <p:nvSpPr>
-          <p:cNvPr id="10" name="Rectangle 9">
-            <a:extLst>
-              <a:ext uri="{FF2B5EF4-FFF2-40B4-BE49-F238E27FC236}">
-                <a16:creationId xmlns:a16="http://schemas.microsoft.com/office/drawing/2014/main" id="{7A252D1E-520B-6BE6-A6A2-EFB90EEAA426}"/>
+              <a:rPr lang="az-Latn-AZ" dirty="0"/>
+              <a:t>StockAmount</a:t>
+            </a:r>
+          </a:p>
+        </p:txBody>
+      </p:sp>
+      <p:sp>
+        <p:nvSpPr>
+          <p:cNvPr id="2" name="Rectangle 1">
+            <a:extLst>
+              <a:ext uri="{FF2B5EF4-FFF2-40B4-BE49-F238E27FC236}">
+                <a16:creationId xmlns:a16="http://schemas.microsoft.com/office/drawing/2014/main" id="{B8474786-86AE-D642-6FD1-6C16A25E3210}"/>
               </a:ext>
             </a:extLst>
           </p:cNvPr>
@@ -3595,7 +3600,103 @@
         </p:nvSpPr>
         <p:spPr>
           <a:xfrm>
-            <a:off x="7225648" y="2830395"/>
+            <a:off x="5549257" y="723504"/>
+            <a:ext cx="2725918" cy="2557019"/>
+          </a:xfrm>
+          <a:prstGeom prst="rect">
+            <a:avLst/>
+          </a:prstGeom>
+        </p:spPr>
+        <p:style>
+          <a:lnRef idx="2">
+            <a:schemeClr val="accent1">
+              <a:shade val="15000"/>
+            </a:schemeClr>
+          </a:lnRef>
+          <a:fillRef idx="1">
+            <a:schemeClr val="accent1"/>
+          </a:fillRef>
+          <a:effectRef idx="0">
+            <a:schemeClr val="accent1"/>
+          </a:effectRef>
+          <a:fontRef idx="minor">
+            <a:schemeClr val="lt1"/>
+          </a:fontRef>
+        </p:style>
+        <p:txBody>
+          <a:bodyPr rtlCol="0" anchor="ctr"/>
+          <a:lstStyle/>
+          <a:p>
+            <a:pPr algn="ctr"/>
+            <a:endParaRPr lang="az-Latn-AZ"/>
+          </a:p>
+        </p:txBody>
+      </p:sp>
+      <p:sp>
+        <p:nvSpPr>
+          <p:cNvPr id="3" name="Rectangle 2">
+            <a:extLst>
+              <a:ext uri="{FF2B5EF4-FFF2-40B4-BE49-F238E27FC236}">
+                <a16:creationId xmlns:a16="http://schemas.microsoft.com/office/drawing/2014/main" id="{B02BD6CD-0D71-B9BE-95BD-65EF3C9A19EB}"/>
+              </a:ext>
+            </a:extLst>
+          </p:cNvPr>
+          <p:cNvSpPr/>
+          <p:nvPr/>
+        </p:nvSpPr>
+        <p:spPr>
+          <a:xfrm>
+            <a:off x="5549257" y="723504"/>
+            <a:ext cx="2725918" cy="513761"/>
+          </a:xfrm>
+          <a:prstGeom prst="rect">
+            <a:avLst/>
+          </a:prstGeom>
+        </p:spPr>
+        <p:style>
+          <a:lnRef idx="2">
+            <a:schemeClr val="accent3">
+              <a:shade val="15000"/>
+            </a:schemeClr>
+          </a:lnRef>
+          <a:fillRef idx="1">
+            <a:schemeClr val="accent3"/>
+          </a:fillRef>
+          <a:effectRef idx="0">
+            <a:schemeClr val="accent3"/>
+          </a:effectRef>
+          <a:fontRef idx="minor">
+            <a:schemeClr val="lt1"/>
+          </a:fontRef>
+        </p:style>
+        <p:txBody>
+          <a:bodyPr rtlCol="0" anchor="ctr"/>
+          <a:lstStyle/>
+          <a:p>
+            <a:pPr algn="ctr"/>
+            <a:r>
+              <a:rPr lang="en-US" dirty="0"/>
+              <a:t>Bundle</a:t>
+            </a:r>
+            <a:endParaRPr lang="az-Latn-AZ" dirty="0"/>
+          </a:p>
+        </p:txBody>
+      </p:sp>
+      <p:sp>
+        <p:nvSpPr>
+          <p:cNvPr id="6" name="Rectangle 5">
+            <a:extLst>
+              <a:ext uri="{FF2B5EF4-FFF2-40B4-BE49-F238E27FC236}">
+                <a16:creationId xmlns:a16="http://schemas.microsoft.com/office/drawing/2014/main" id="{6C69A9F4-7B80-9202-19B2-15F66C88870D}"/>
+              </a:ext>
+            </a:extLst>
+          </p:cNvPr>
+          <p:cNvSpPr/>
+          <p:nvPr/>
+        </p:nvSpPr>
+        <p:spPr>
+          <a:xfrm>
+            <a:off x="5549257" y="1237265"/>
             <a:ext cx="2725917" cy="513761"/>
           </a:xfrm>
           <a:prstGeom prst="rect">
@@ -3622,18 +3723,19 @@
           <a:p>
             <a:pPr algn="ctr"/>
             <a:r>
-              <a:rPr lang="az-Latn-AZ" dirty="0"/>
-              <a:t>StockAmount</a:t>
-            </a:r>
-          </a:p>
-        </p:txBody>
-      </p:sp>
-      <p:sp>
-        <p:nvSpPr>
-          <p:cNvPr id="11" name="Rectangle 10">
-            <a:extLst>
-              <a:ext uri="{FF2B5EF4-FFF2-40B4-BE49-F238E27FC236}">
-                <a16:creationId xmlns:a16="http://schemas.microsoft.com/office/drawing/2014/main" id="{F0C5E900-8BF2-4EA7-69BB-D1871F096355}"/>
+              <a:rPr lang="en-US" dirty="0"/>
+              <a:t>Id</a:t>
+            </a:r>
+            <a:endParaRPr lang="az-Latn-AZ" dirty="0"/>
+          </a:p>
+        </p:txBody>
+      </p:sp>
+      <p:sp>
+        <p:nvSpPr>
+          <p:cNvPr id="12" name="Rectangle 11">
+            <a:extLst>
+              <a:ext uri="{FF2B5EF4-FFF2-40B4-BE49-F238E27FC236}">
+                <a16:creationId xmlns:a16="http://schemas.microsoft.com/office/drawing/2014/main" id="{12D2E800-3949-3485-1B95-8DC72BD09595}"/>
               </a:ext>
             </a:extLst>
           </p:cNvPr>
@@ -3642,7 +3744,7 @@
         </p:nvSpPr>
         <p:spPr>
           <a:xfrm>
-            <a:off x="7225648" y="3344156"/>
+            <a:off x="5549254" y="1718031"/>
             <a:ext cx="2725917" cy="513761"/>
           </a:xfrm>
           <a:prstGeom prst="rect">
@@ -3676,31 +3778,124 @@
           </a:p>
         </p:txBody>
       </p:sp>
+      <p:sp>
+        <p:nvSpPr>
+          <p:cNvPr id="13" name="Rectangle 12">
+            <a:extLst>
+              <a:ext uri="{FF2B5EF4-FFF2-40B4-BE49-F238E27FC236}">
+                <a16:creationId xmlns:a16="http://schemas.microsoft.com/office/drawing/2014/main" id="{C12D750A-5736-B995-AAC0-79331F32E1CA}"/>
+              </a:ext>
+            </a:extLst>
+          </p:cNvPr>
+          <p:cNvSpPr/>
+          <p:nvPr/>
+        </p:nvSpPr>
+        <p:spPr>
+          <a:xfrm>
+            <a:off x="5549248" y="2231791"/>
+            <a:ext cx="2725917" cy="513761"/>
+          </a:xfrm>
+          <a:prstGeom prst="rect">
+            <a:avLst/>
+          </a:prstGeom>
+        </p:spPr>
+        <p:style>
+          <a:lnRef idx="1">
+            <a:schemeClr val="accent2"/>
+          </a:lnRef>
+          <a:fillRef idx="2">
+            <a:schemeClr val="accent2"/>
+          </a:fillRef>
+          <a:effectRef idx="1">
+            <a:schemeClr val="accent2"/>
+          </a:effectRef>
+          <a:fontRef idx="minor">
+            <a:schemeClr val="dk1"/>
+          </a:fontRef>
+        </p:style>
+        <p:txBody>
+          <a:bodyPr rtlCol="0" anchor="ctr"/>
+          <a:lstStyle/>
+          <a:p>
+            <a:pPr algn="ctr"/>
+            <a:r>
+              <a:rPr lang="en-US" dirty="0" err="1"/>
+              <a:t>ChildBundleId</a:t>
+            </a:r>
+            <a:endParaRPr lang="az-Latn-AZ" dirty="0"/>
+          </a:p>
+        </p:txBody>
+      </p:sp>
+      <p:sp>
+        <p:nvSpPr>
+          <p:cNvPr id="21" name="Rectangle 20">
+            <a:extLst>
+              <a:ext uri="{FF2B5EF4-FFF2-40B4-BE49-F238E27FC236}">
+                <a16:creationId xmlns:a16="http://schemas.microsoft.com/office/drawing/2014/main" id="{F8A3CB6E-90FC-1457-A0D3-65151E94FFB4}"/>
+              </a:ext>
+            </a:extLst>
+          </p:cNvPr>
+          <p:cNvSpPr/>
+          <p:nvPr/>
+        </p:nvSpPr>
+        <p:spPr>
+          <a:xfrm>
+            <a:off x="5549247" y="2766762"/>
+            <a:ext cx="2725917" cy="513761"/>
+          </a:xfrm>
+          <a:prstGeom prst="rect">
+            <a:avLst/>
+          </a:prstGeom>
+        </p:spPr>
+        <p:style>
+          <a:lnRef idx="1">
+            <a:schemeClr val="accent2"/>
+          </a:lnRef>
+          <a:fillRef idx="2">
+            <a:schemeClr val="accent2"/>
+          </a:fillRef>
+          <a:effectRef idx="1">
+            <a:schemeClr val="accent2"/>
+          </a:effectRef>
+          <a:fontRef idx="minor">
+            <a:schemeClr val="dk1"/>
+          </a:fontRef>
+        </p:style>
+        <p:txBody>
+          <a:bodyPr rtlCol="0" anchor="ctr"/>
+          <a:lstStyle/>
+          <a:p>
+            <a:pPr algn="ctr"/>
+            <a:r>
+              <a:rPr lang="en-US" dirty="0" err="1"/>
+              <a:t>RequiredCount</a:t>
+            </a:r>
+            <a:endParaRPr lang="az-Latn-AZ" dirty="0"/>
+          </a:p>
+        </p:txBody>
+      </p:sp>
       <p:cxnSp>
         <p:nvCxnSpPr>
-          <p:cNvPr id="15" name="Connector: Elbow 14">
-            <a:extLst>
-              <a:ext uri="{FF2B5EF4-FFF2-40B4-BE49-F238E27FC236}">
-                <a16:creationId xmlns:a16="http://schemas.microsoft.com/office/drawing/2014/main" id="{9C6A34A8-7220-B4FA-4394-6711CA7ECB84}"/>
+          <p:cNvPr id="23" name="Connector: Elbow 22">
+            <a:extLst>
+              <a:ext uri="{FF2B5EF4-FFF2-40B4-BE49-F238E27FC236}">
+                <a16:creationId xmlns:a16="http://schemas.microsoft.com/office/drawing/2014/main" id="{95BE556F-EC7B-E6D7-C9D1-167D949520E6}"/>
               </a:ext>
             </a:extLst>
           </p:cNvPr>
           <p:cNvCxnSpPr>
-            <a:cxnSpLocks/>
-            <a:stCxn id="11" idx="3"/>
+            <a:stCxn id="12" idx="1"/>
             <a:endCxn id="7" idx="3"/>
           </p:cNvCxnSpPr>
           <p:nvPr/>
         </p:nvCxnSpPr>
         <p:spPr>
-          <a:xfrm flipV="1">
-            <a:off x="9951565" y="1578988"/>
-            <a:ext cx="8" cy="2022049"/>
+          <a:xfrm rot="10800000">
+            <a:off x="3682750" y="1494148"/>
+            <a:ext cx="1866505" cy="480765"/>
           </a:xfrm>
           <a:prstGeom prst="bentConnector3">
-            <a:avLst>
-              <a:gd name="adj1" fmla="val 2147483646"/>
-            </a:avLst>
+            <a:avLst/>
           </a:prstGeom>
           <a:ln>
             <a:tailEnd type="triangle"/>
@@ -3721,181 +3916,47 @@
           </a:fontRef>
         </p:style>
       </p:cxnSp>
-      <p:sp>
-        <p:nvSpPr>
-          <p:cNvPr id="19" name="Subtitle 18">
-            <a:extLst>
-              <a:ext uri="{FF2B5EF4-FFF2-40B4-BE49-F238E27FC236}">
-                <a16:creationId xmlns:a16="http://schemas.microsoft.com/office/drawing/2014/main" id="{EAAC9A09-6818-4BC7-554C-930446064772}"/>
-              </a:ext>
-            </a:extLst>
-          </p:cNvPr>
-          <p:cNvSpPr>
-            <a:spLocks noGrp="1"/>
-          </p:cNvSpPr>
-          <p:nvPr>
-            <p:ph type="subTitle" idx="1"/>
-          </p:nvPr>
-        </p:nvSpPr>
+      <p:cxnSp>
+        <p:nvCxnSpPr>
+          <p:cNvPr id="30" name="Connector: Elbow 29">
+            <a:extLst>
+              <a:ext uri="{FF2B5EF4-FFF2-40B4-BE49-F238E27FC236}">
+                <a16:creationId xmlns:a16="http://schemas.microsoft.com/office/drawing/2014/main" id="{64F9A8FD-872C-2F54-7D76-0B59FD84DE9B}"/>
+              </a:ext>
+            </a:extLst>
+          </p:cNvPr>
+          <p:cNvCxnSpPr>
+            <a:cxnSpLocks/>
+          </p:cNvCxnSpPr>
+          <p:nvPr/>
+        </p:nvCxnSpPr>
         <p:spPr>
-          <a:xfrm>
-            <a:off x="1278903" y="808346"/>
-            <a:ext cx="4817097" cy="3049571"/>
+          <a:xfrm rot="10800000">
+            <a:off x="3811569" y="1389273"/>
+            <a:ext cx="1737678" cy="1110005"/>
           </a:xfrm>
+          <a:prstGeom prst="bentConnector3">
+            <a:avLst/>
+          </a:prstGeom>
+          <a:ln>
+            <a:tailEnd type="triangle"/>
+          </a:ln>
         </p:spPr>
-        <p:txBody>
-          <a:bodyPr>
-            <a:normAutofit/>
-          </a:bodyPr>
-          <a:lstStyle/>
-          <a:p>
-            <a:pPr algn="l"/>
-            <a:r>
-              <a:rPr lang="az-Latn-AZ" sz="1600" b="1" i="0" dirty="0">
-                <a:effectLst/>
-                <a:latin typeface="Times New Roman" panose="02020603050405020304" pitchFamily="18" charset="0"/>
-                <a:cs typeface="Times New Roman" panose="02020603050405020304" pitchFamily="18" charset="0"/>
-              </a:rPr>
-              <a:t>Bundle</a:t>
-            </a:r>
-            <a:r>
-              <a:rPr lang="en-US" sz="1600" b="1" i="0" dirty="0">
-                <a:effectLst/>
-                <a:latin typeface="Times New Roman" panose="02020603050405020304" pitchFamily="18" charset="0"/>
-                <a:cs typeface="Times New Roman" panose="02020603050405020304" pitchFamily="18" charset="0"/>
-              </a:rPr>
-              <a:t>s</a:t>
-            </a:r>
-            <a:r>
-              <a:rPr lang="az-Latn-AZ" sz="1600" b="1" i="0" dirty="0">
-                <a:effectLst/>
-                <a:latin typeface="Times New Roman" panose="02020603050405020304" pitchFamily="18" charset="0"/>
-                <a:cs typeface="Times New Roman" panose="02020603050405020304" pitchFamily="18" charset="0"/>
-              </a:rPr>
-              <a:t> Table</a:t>
-            </a:r>
-            <a:endParaRPr lang="en-US" sz="1600" b="1" i="0" dirty="0">
-              <a:effectLst/>
-              <a:latin typeface="Times New Roman" panose="02020603050405020304" pitchFamily="18" charset="0"/>
-              <a:cs typeface="Times New Roman" panose="02020603050405020304" pitchFamily="18" charset="0"/>
-            </a:endParaRPr>
-          </a:p>
-          <a:p>
-            <a:pPr algn="l"/>
-            <a:r>
-              <a:rPr lang="az-Latn-AZ" sz="1600" b="0" i="0" dirty="0">
-                <a:effectLst/>
-                <a:latin typeface="Times New Roman" panose="02020603050405020304" pitchFamily="18" charset="0"/>
-                <a:cs typeface="Times New Roman" panose="02020603050405020304" pitchFamily="18" charset="0"/>
-              </a:rPr>
-              <a:t>Id</a:t>
-            </a:r>
-            <a:r>
-              <a:rPr lang="en-US" sz="1600" b="0" i="0" dirty="0">
-                <a:effectLst/>
-                <a:latin typeface="Times New Roman" panose="02020603050405020304" pitchFamily="18" charset="0"/>
-                <a:cs typeface="Times New Roman" panose="02020603050405020304" pitchFamily="18" charset="0"/>
-              </a:rPr>
-              <a:t> </a:t>
-            </a:r>
-            <a:r>
-              <a:rPr lang="az-Latn-AZ" sz="1600" b="0" i="0" dirty="0">
-                <a:effectLst/>
-                <a:latin typeface="Times New Roman" panose="02020603050405020304" pitchFamily="18" charset="0"/>
-                <a:cs typeface="Times New Roman" panose="02020603050405020304" pitchFamily="18" charset="0"/>
-              </a:rPr>
-              <a:t>(PK) </a:t>
-            </a:r>
-            <a:endParaRPr lang="en-US" sz="1600" b="0" i="0" dirty="0">
-              <a:effectLst/>
-              <a:latin typeface="Times New Roman" panose="02020603050405020304" pitchFamily="18" charset="0"/>
-              <a:cs typeface="Times New Roman" panose="02020603050405020304" pitchFamily="18" charset="0"/>
-            </a:endParaRPr>
-          </a:p>
-          <a:p>
-            <a:pPr algn="l"/>
-            <a:r>
-              <a:rPr lang="az-Latn-AZ" sz="1600" b="0" i="0" dirty="0">
-                <a:effectLst/>
-                <a:latin typeface="Times New Roman" panose="02020603050405020304" pitchFamily="18" charset="0"/>
-                <a:cs typeface="Times New Roman" panose="02020603050405020304" pitchFamily="18" charset="0"/>
-              </a:rPr>
-              <a:t>Name</a:t>
-            </a:r>
-            <a:r>
-              <a:rPr lang="en-US" sz="1600" b="0" i="0" dirty="0">
-                <a:effectLst/>
-                <a:latin typeface="Times New Roman" panose="02020603050405020304" pitchFamily="18" charset="0"/>
-                <a:cs typeface="Times New Roman" panose="02020603050405020304" pitchFamily="18" charset="0"/>
-              </a:rPr>
-              <a:t> </a:t>
-            </a:r>
-          </a:p>
-          <a:p>
-            <a:pPr algn="l"/>
-            <a:r>
-              <a:rPr lang="az-Latn-AZ" sz="1600" b="0" i="0" dirty="0">
-                <a:effectLst/>
-                <a:latin typeface="Times New Roman" panose="02020603050405020304" pitchFamily="18" charset="0"/>
-                <a:cs typeface="Times New Roman" panose="02020603050405020304" pitchFamily="18" charset="0"/>
-              </a:rPr>
-              <a:t>RequiredCountForParent </a:t>
-            </a:r>
-            <a:endParaRPr lang="en-US" sz="1600" b="0" i="0" dirty="0">
-              <a:effectLst/>
-              <a:latin typeface="Times New Roman" panose="02020603050405020304" pitchFamily="18" charset="0"/>
-              <a:cs typeface="Times New Roman" panose="02020603050405020304" pitchFamily="18" charset="0"/>
-            </a:endParaRPr>
-          </a:p>
-          <a:p>
-            <a:pPr algn="l"/>
-            <a:r>
-              <a:rPr lang="az-Latn-AZ" sz="1600" b="0" i="0" dirty="0">
-                <a:effectLst/>
-                <a:latin typeface="Times New Roman" panose="02020603050405020304" pitchFamily="18" charset="0"/>
-                <a:cs typeface="Times New Roman" panose="02020603050405020304" pitchFamily="18" charset="0"/>
-              </a:rPr>
-              <a:t>StockAmount</a:t>
-            </a:r>
-            <a:endParaRPr lang="en-US" sz="1600" b="0" i="0" dirty="0">
-              <a:effectLst/>
-              <a:latin typeface="Times New Roman" panose="02020603050405020304" pitchFamily="18" charset="0"/>
-              <a:cs typeface="Times New Roman" panose="02020603050405020304" pitchFamily="18" charset="0"/>
-            </a:endParaRPr>
-          </a:p>
-          <a:p>
-            <a:pPr algn="l"/>
-            <a:r>
-              <a:rPr lang="az-Latn-AZ" sz="1600" b="0" i="0" dirty="0">
-                <a:effectLst/>
-                <a:latin typeface="Times New Roman" panose="02020603050405020304" pitchFamily="18" charset="0"/>
-                <a:cs typeface="Times New Roman" panose="02020603050405020304" pitchFamily="18" charset="0"/>
-              </a:rPr>
-              <a:t>ParentBundleId (FK to Bundle.Id) </a:t>
-            </a:r>
-            <a:endParaRPr lang="en-US" sz="1600" b="0" i="0" dirty="0">
-              <a:effectLst/>
-              <a:latin typeface="Times New Roman" panose="02020603050405020304" pitchFamily="18" charset="0"/>
-              <a:cs typeface="Times New Roman" panose="02020603050405020304" pitchFamily="18" charset="0"/>
-            </a:endParaRPr>
-          </a:p>
-          <a:p>
-            <a:pPr algn="l"/>
-            <a:r>
-              <a:rPr lang="az-Latn-AZ" sz="1600" b="0" i="0" dirty="0">
-                <a:effectLst/>
-                <a:latin typeface="Times New Roman" panose="02020603050405020304" pitchFamily="18" charset="0"/>
-                <a:cs typeface="Times New Roman" panose="02020603050405020304" pitchFamily="18" charset="0"/>
-              </a:rPr>
-              <a:t>Relationship: One-to-Many: Bundle.ParentBundleId (FK) -&gt; Bundle.Id (PK)</a:t>
-            </a:r>
-            <a:endParaRPr lang="az-Latn-AZ" sz="1600" dirty="0">
-              <a:latin typeface="Times New Roman" panose="02020603050405020304" pitchFamily="18" charset="0"/>
-              <a:cs typeface="Times New Roman" panose="02020603050405020304" pitchFamily="18" charset="0"/>
-            </a:endParaRPr>
-          </a:p>
-        </p:txBody>
-      </p:sp>
+        <p:style>
+          <a:lnRef idx="1">
+            <a:schemeClr val="accent1"/>
+          </a:lnRef>
+          <a:fillRef idx="0">
+            <a:schemeClr val="accent1"/>
+          </a:fillRef>
+          <a:effectRef idx="0">
+            <a:schemeClr val="accent1"/>
+          </a:effectRef>
+          <a:fontRef idx="minor">
+            <a:schemeClr val="tx1"/>
+          </a:fontRef>
+        </p:style>
+      </p:cxnSp>
     </p:spTree>
     <p:extLst>
       <p:ext uri="{BB962C8B-B14F-4D97-AF65-F5344CB8AC3E}">
